--- a/sprint3ppt.pptx
+++ b/sprint3ppt.pptx
@@ -12395,10 +12395,15 @@
             <p:ph type="subTitle" idx="1"/>
           </p:nvPr>
         </p:nvSpPr>
-        <p:spPr/>
+        <p:spPr>
+          <a:xfrm>
+            <a:off x="1876424" y="3602037"/>
+            <a:ext cx="8791575" cy="2133599"/>
+          </a:xfrm>
+        </p:spPr>
         <p:txBody>
           <a:bodyPr>
-            <a:normAutofit fontScale="92500" lnSpcReduction="20000"/>
+            <a:normAutofit/>
           </a:bodyPr>
           <a:lstStyle/>
           <a:p>
@@ -12408,16 +12413,22 @@
             </a:r>
           </a:p>
           <a:p>
-            <a:endParaRPr lang="en-US" dirty="0"/>
-          </a:p>
-          <a:p>
-            <a:endParaRPr lang="en-US" dirty="0"/>
-          </a:p>
-          <a:p>
             <a:r>
               <a:rPr lang="en-US" dirty="0"/>
               <a:t>Hang man with advanced competitive features. </a:t>
             </a:r>
+          </a:p>
+          <a:p>
+            <a:endParaRPr lang="en-US" dirty="0"/>
+          </a:p>
+          <a:p>
+            <a:r>
+              <a:rPr lang="en-US" dirty="0">
+                <a:hlinkClick r:id="rId2"/>
+              </a:rPr>
+              <a:t>https://github.com/ksu-is/casey-hoskins-hangman</a:t>
+            </a:r>
+            <a:endParaRPr lang="en-US" dirty="0"/>
           </a:p>
         </p:txBody>
       </p:sp>
@@ -12436,7 +12447,7 @@
           <p:nvPr/>
         </p:nvPicPr>
         <p:blipFill>
-          <a:blip r:embed="rId2"/>
+          <a:blip r:embed="rId3"/>
           <a:stretch>
             <a:fillRect/>
           </a:stretch>
@@ -12466,7 +12477,7 @@
           <p:nvPr/>
         </p:nvPicPr>
         <p:blipFill>
-          <a:blip r:embed="rId3"/>
+          <a:blip r:embed="rId4"/>
           <a:stretch>
             <a:fillRect/>
           </a:stretch>
